--- a/Apresentação1.pptx
+++ b/Apresentação1.pptx
@@ -429,9 +429,7 @@
     <p:bg>
       <p:bgPr>
         <a:solidFill>
-          <a:schemeClr val="tx1">
-            <a:alpha val="71000"/>
-          </a:schemeClr>
+          <a:schemeClr val="tx1"/>
         </a:solidFill>
         <a:effectLst/>
       </p:bgPr>
@@ -928,14 +926,11 @@
           <a:lstStyle/>
           <a:p>
             <a:r>
-              <a:rPr lang="pt-BR" sz="4000" b="1" dirty="0" err="1">
-                <a:latin typeface="Bahnschrift Condensed" panose="020B0502040204020203" pitchFamily="34" charset="0"/>
-              </a:rPr>
-              <a:t>Moviment</a:t>
-            </a:r>
-            <a:endParaRPr lang="pt-BR" sz="4000" b="1" dirty="0">
-              <a:latin typeface="Bahnschrift Condensed" panose="020B0502040204020203" pitchFamily="34" charset="0"/>
-            </a:endParaRPr>
+              <a:rPr lang="pt-BR" sz="4000" b="1" dirty="0">
+                <a:latin typeface="Bahnschrift Condensed" panose="020B0502040204020203" pitchFamily="34" charset="0"/>
+              </a:rPr>
+              <a:t>Movement</a:t>
+            </a:r>
           </a:p>
           <a:p>
             <a:r>
@@ -1292,7 +1287,7 @@
         <p:spPr>
           <a:xfrm>
             <a:off x="2872588" y="3279410"/>
-            <a:ext cx="6152646" cy="1446550"/>
+            <a:ext cx="7215437" cy="2123658"/>
           </a:xfrm>
           <a:prstGeom prst="rect">
             <a:avLst/>
@@ -1325,7 +1320,19 @@
               <a:rPr lang="pt-BR" sz="4400" b="1" dirty="0">
                 <a:latin typeface="Bahnschrift Condensed" panose="020B0502040204020203" pitchFamily="34" charset="0"/>
               </a:rPr>
-              <a:t>Ter organização e disciplina.</a:t>
+              <a:t>Ter organização e disciplina;</a:t>
+            </a:r>
+          </a:p>
+          <a:p>
+            <a:pPr marL="285750" indent="-285750">
+              <a:buFont typeface="Arial" panose="020B0604020202020204" pitchFamily="34" charset="0"/>
+              <a:buChar char="•"/>
+            </a:pPr>
+            <a:r>
+              <a:rPr lang="pt-BR" sz="4400" b="1" dirty="0">
+                <a:latin typeface="Bahnschrift Condensed" panose="020B0502040204020203" pitchFamily="34" charset="0"/>
+              </a:rPr>
+              <a:t>Lidar com o tempo e muitas tarefas;</a:t>
             </a:r>
           </a:p>
         </p:txBody>
@@ -1478,8 +1485,8 @@
         </p:nvSpPr>
         <p:spPr>
           <a:xfrm>
-            <a:off x="1319349" y="2782389"/>
-            <a:ext cx="5593198" cy="1569660"/>
+            <a:off x="222069" y="2644170"/>
+            <a:ext cx="7318029" cy="1569660"/>
           </a:xfrm>
           <a:prstGeom prst="rect">
             <a:avLst/>
@@ -1524,7 +1531,19 @@
               <a:rPr lang="pt-BR" sz="3200" b="1" dirty="0">
                 <a:latin typeface="Bahnschrift Condensed" panose="020B0502040204020203" pitchFamily="34" charset="0"/>
               </a:rPr>
-              <a:t>Ao Ivan, Ryan, Victor Hugo e Pedrinho.</a:t>
+              <a:t>Aos meus colegas Ivan, Ryan, Victor Hugo e </a:t>
+            </a:r>
+            <a:r>
+              <a:rPr lang="pt-BR" sz="3200" b="1" dirty="0" err="1">
+                <a:latin typeface="Bahnschrift Condensed" panose="020B0502040204020203" pitchFamily="34" charset="0"/>
+              </a:rPr>
+              <a:t>Kauan</a:t>
+            </a:r>
+            <a:r>
+              <a:rPr lang="pt-BR" sz="3200" b="1" dirty="0">
+                <a:latin typeface="Bahnschrift Condensed" panose="020B0502040204020203" pitchFamily="34" charset="0"/>
+              </a:rPr>
+              <a:t>.</a:t>
             </a:r>
           </a:p>
         </p:txBody>
